--- a/doc/20_基本設計/【CMS】基本設計-運用設計書.pptx
+++ b/doc/20_基本設計/【CMS】基本設計-運用設計書.pptx
@@ -105,6 +105,11 @@
       </a:defRPr>
     </a:lvl9pPr>
   </p:defaultTextStyle>
+  <p:extLst>
+    <p:ext uri="{EFAFB233-063F-42B5-8137-9DF3F51BA10A}">
+      <p15:sldGuideLst xmlns:p15="http://schemas.microsoft.com/office/powerpoint/2012/main"/>
+    </p:ext>
+  </p:extLst>
 </p:presentation>
 </file>
 
@@ -121,7 +126,7 @@
   <pc:docChgLst>
     <pc:chgData name="hong qin" userId="7e354eabc4fa991d" providerId="LiveId" clId="{C99D9794-2206-4421-9A8F-E3E937A1AEDC}"/>
     <pc:docChg chg="undo custSel addSld modSld">
-      <pc:chgData name="hong qin" userId="7e354eabc4fa991d" providerId="LiveId" clId="{C99D9794-2206-4421-9A8F-E3E937A1AEDC}" dt="2023-04-13T06:14:17.250" v="282"/>
+      <pc:chgData name="hong qin" userId="7e354eabc4fa991d" providerId="LiveId" clId="{C99D9794-2206-4421-9A8F-E3E937A1AEDC}" dt="2023-04-13T07:20:20.825" v="327" actId="1076"/>
       <pc:docMkLst>
         <pc:docMk/>
       </pc:docMkLst>
@@ -221,7 +226,7 @@
         </pc:picChg>
       </pc:sldChg>
       <pc:sldChg chg="addSp delSp modSp new mod">
-        <pc:chgData name="hong qin" userId="7e354eabc4fa991d" providerId="LiveId" clId="{C99D9794-2206-4421-9A8F-E3E937A1AEDC}" dt="2023-04-13T06:14:17.250" v="282"/>
+        <pc:chgData name="hong qin" userId="7e354eabc4fa991d" providerId="LiveId" clId="{C99D9794-2206-4421-9A8F-E3E937A1AEDC}" dt="2023-04-13T07:20:20.825" v="327" actId="1076"/>
         <pc:sldMkLst>
           <pc:docMk/>
           <pc:sldMk cId="3188145092" sldId="257"/>
@@ -307,7 +312,7 @@
           </ac:spMkLst>
         </pc:spChg>
         <pc:spChg chg="add mod">
-          <ac:chgData name="hong qin" userId="7e354eabc4fa991d" providerId="LiveId" clId="{C99D9794-2206-4421-9A8F-E3E937A1AEDC}" dt="2023-04-13T06:14:12.457" v="279" actId="1076"/>
+          <ac:chgData name="hong qin" userId="7e354eabc4fa991d" providerId="LiveId" clId="{C99D9794-2206-4421-9A8F-E3E937A1AEDC}" dt="2023-04-13T07:20:20.825" v="327" actId="1076"/>
           <ac:spMkLst>
             <pc:docMk/>
             <pc:sldMk cId="3188145092" sldId="257"/>
@@ -315,7 +320,7 @@
           </ac:spMkLst>
         </pc:spChg>
         <pc:grpChg chg="add mod">
-          <ac:chgData name="hong qin" userId="7e354eabc4fa991d" providerId="LiveId" clId="{C99D9794-2206-4421-9A8F-E3E937A1AEDC}" dt="2023-04-13T06:14:16.458" v="280" actId="1076"/>
+          <ac:chgData name="hong qin" userId="7e354eabc4fa991d" providerId="LiveId" clId="{C99D9794-2206-4421-9A8F-E3E937A1AEDC}" dt="2023-04-13T06:20:02.556" v="284" actId="1076"/>
           <ac:grpSpMkLst>
             <pc:docMk/>
             <pc:sldMk cId="3188145092" sldId="257"/>
@@ -7533,7 +7538,7 @@
         </p:nvGrpSpPr>
         <p:grpSpPr>
           <a:xfrm>
-            <a:off x="1434626" y="880886"/>
+            <a:off x="1434626" y="1007709"/>
             <a:ext cx="9322743" cy="5977114"/>
             <a:chOff x="2181902" y="899548"/>
             <a:chExt cx="8128000" cy="5418667"/>
@@ -7802,8 +7807,8 @@
         </p:nvSpPr>
         <p:spPr>
           <a:xfrm>
-            <a:off x="4012366" y="361378"/>
-            <a:ext cx="4167265" cy="646331"/>
+            <a:off x="3651714" y="361378"/>
+            <a:ext cx="4888566" cy="646331"/>
           </a:xfrm>
           <a:prstGeom prst="rect">
             <a:avLst/>
@@ -7832,6 +7837,10 @@
           <a:lstStyle/>
           <a:p>
             <a:pPr algn="ctr"/>
+            <a:r>
+              <a:rPr lang="ja-JP" altLang="en-US" sz="3600" dirty="0"/>
+              <a:t>基本設計　</a:t>
+            </a:r>
             <a:r>
               <a:rPr lang="zh-CN" altLang="en-US" sz="3600" dirty="0"/>
               <a:t>開発体制</a:t>
